--- a/Mastering Flutter Session20.pptx
+++ b/Mastering Flutter Session20.pptx
@@ -55,10 +55,6 @@
       <p:font typeface="Homemade Apple" panose="02000000000000000000"/>
       <p:regular r:id="rId37"/>
       <p:boldItalic r:id="rId38"/>
-    </p:embeddedFont>
-    <p:embeddedFont>
-      <p:font typeface="Aldhabi" panose="01000000000000000000" charset="0"/>
-      <p:regular r:id="rId39"/>
     </p:embeddedFont>
   </p:embeddedFontLst>
   <p:defaultTextStyle>
@@ -19988,7 +19984,7 @@
       </p:sp>
       <p:sp>
         <p:nvSpPr>
-          <p:cNvPr id="1" name="Rounded Rectangle 0"/>
+          <p:cNvPr id="4" name="Rounded Rectangle 3"/>
           <p:cNvSpPr/>
           <p:nvPr/>
         </p:nvSpPr>
@@ -21337,7 +21333,7 @@
           <a:p>
             <a:pPr lvl="0" algn="ctr"/>
             <a:r>
-              <a:rPr b="1" i="0">
+              <a:rPr b="1">
                 <a:ln w="28575" cap="flat" cmpd="sng">
                   <a:solidFill>
                     <a:schemeClr val="dk1"/>
@@ -21349,11 +21345,12 @@
                 </a:ln>
                 <a:noFill/>
                 <a:latin typeface="Calistoga"/>
+                <a:sym typeface="+mn-ea"/>
               </a:rPr>
               <a:t>0</a:t>
             </a:r>
             <a:r>
-              <a:rPr lang="ar-EG" b="1" i="0">
+              <a:rPr lang="en-US" b="1">
                 <a:ln w="28575" cap="flat" cmpd="sng">
                   <a:solidFill>
                     <a:schemeClr val="dk1"/>
@@ -21365,6 +21362,7 @@
                 </a:ln>
                 <a:noFill/>
                 <a:latin typeface="Calistoga"/>
+                <a:sym typeface="+mn-ea"/>
               </a:rPr>
               <a:t>4</a:t>
             </a:r>
